--- a/ReactiveProgramming.pptx
+++ b/ReactiveProgramming.pptx
@@ -223,7 +223,7 @@
           <a:p>
             <a:fld id="{15130F0A-08C1-400F-A059-DCAB18E047FD}" type="datetimeFigureOut">
               <a:rPr lang="en-US" smtClean="0"/>
-              <a:t>10/27/21</a:t>
+              <a:t>12/15/21</a:t>
             </a:fld>
             <a:endParaRPr lang="en-US"/>
           </a:p>
@@ -388,7 +388,7 @@
           <a:p>
             <a:fld id="{D02F2C94-0110-43CE-8FC1-03BCEBC53014}" type="datetimeFigureOut">
               <a:rPr lang="en-US" smtClean="0"/>
-              <a:t>10/27/21</a:t>
+              <a:t>12/15/21</a:t>
             </a:fld>
             <a:endParaRPr lang="en-US"/>
           </a:p>
@@ -786,7 +786,7 @@
           <a:p>
             <a:fld id="{C764DE79-268F-4C1A-8933-263129D2AF90}" type="datetimeFigureOut">
               <a:rPr lang="en-US" dirty="0"/>
-              <a:t>10/27/21</a:t>
+              <a:t>12/15/21</a:t>
             </a:fld>
             <a:endParaRPr lang="en-US" dirty="0"/>
           </a:p>
@@ -956,7 +956,7 @@
           <a:p>
             <a:fld id="{C764DE79-268F-4C1A-8933-263129D2AF90}" type="datetimeFigureOut">
               <a:rPr lang="en-US" dirty="0"/>
-              <a:t>10/27/21</a:t>
+              <a:t>12/15/21</a:t>
             </a:fld>
             <a:endParaRPr lang="en-US" dirty="0"/>
           </a:p>
@@ -1136,7 +1136,7 @@
           <a:p>
             <a:fld id="{C764DE79-268F-4C1A-8933-263129D2AF90}" type="datetimeFigureOut">
               <a:rPr lang="en-US" dirty="0"/>
-              <a:t>10/27/21</a:t>
+              <a:t>12/15/21</a:t>
             </a:fld>
             <a:endParaRPr lang="en-US" dirty="0"/>
           </a:p>
@@ -2040,7 +2040,7 @@
           <a:p>
             <a:fld id="{C764DE79-268F-4C1A-8933-263129D2AF90}" type="datetimeFigureOut">
               <a:rPr lang="en-US" dirty="0"/>
-              <a:t>10/27/21</a:t>
+              <a:t>12/15/21</a:t>
             </a:fld>
             <a:endParaRPr lang="en-US" dirty="0"/>
           </a:p>
@@ -2286,7 +2286,7 @@
           <a:p>
             <a:fld id="{C764DE79-268F-4C1A-8933-263129D2AF90}" type="datetimeFigureOut">
               <a:rPr lang="en-US" dirty="0"/>
-              <a:t>10/27/21</a:t>
+              <a:t>12/15/21</a:t>
             </a:fld>
             <a:endParaRPr lang="en-US" dirty="0"/>
           </a:p>
@@ -2518,7 +2518,7 @@
           <a:p>
             <a:fld id="{C764DE79-268F-4C1A-8933-263129D2AF90}" type="datetimeFigureOut">
               <a:rPr lang="en-US" dirty="0"/>
-              <a:t>10/27/21</a:t>
+              <a:t>12/15/21</a:t>
             </a:fld>
             <a:endParaRPr lang="en-US" dirty="0"/>
           </a:p>
@@ -2885,7 +2885,7 @@
           <a:p>
             <a:fld id="{C764DE79-268F-4C1A-8933-263129D2AF90}" type="datetimeFigureOut">
               <a:rPr lang="en-US" dirty="0"/>
-              <a:t>10/27/21</a:t>
+              <a:t>12/15/21</a:t>
             </a:fld>
             <a:endParaRPr lang="en-US" dirty="0"/>
           </a:p>
@@ -3003,7 +3003,7 @@
           <a:p>
             <a:fld id="{C764DE79-268F-4C1A-8933-263129D2AF90}" type="datetimeFigureOut">
               <a:rPr lang="en-US" dirty="0"/>
-              <a:t>10/27/21</a:t>
+              <a:t>12/15/21</a:t>
             </a:fld>
             <a:endParaRPr lang="en-US" dirty="0"/>
           </a:p>
@@ -3098,7 +3098,7 @@
           <a:p>
             <a:fld id="{C764DE79-268F-4C1A-8933-263129D2AF90}" type="datetimeFigureOut">
               <a:rPr lang="en-US" dirty="0"/>
-              <a:t>10/27/21</a:t>
+              <a:t>12/15/21</a:t>
             </a:fld>
             <a:endParaRPr lang="en-US" dirty="0"/>
           </a:p>
@@ -3375,7 +3375,7 @@
           <a:p>
             <a:fld id="{C764DE79-268F-4C1A-8933-263129D2AF90}" type="datetimeFigureOut">
               <a:rPr lang="en-US" dirty="0"/>
-              <a:t>10/27/21</a:t>
+              <a:t>12/15/21</a:t>
             </a:fld>
             <a:endParaRPr lang="en-US" dirty="0"/>
           </a:p>
@@ -3632,7 +3632,7 @@
           <a:p>
             <a:fld id="{C764DE79-268F-4C1A-8933-263129D2AF90}" type="datetimeFigureOut">
               <a:rPr lang="en-US" dirty="0"/>
-              <a:t>10/27/21</a:t>
+              <a:t>12/15/21</a:t>
             </a:fld>
             <a:endParaRPr lang="en-US" dirty="0"/>
           </a:p>
@@ -3845,7 +3845,7 @@
           <a:p>
             <a:fld id="{C764DE79-268F-4C1A-8933-263129D2AF90}" type="datetimeFigureOut">
               <a:rPr lang="en-US" dirty="0"/>
-              <a:t>10/27/21</a:t>
+              <a:t>12/15/21</a:t>
             </a:fld>
             <a:endParaRPr lang="en-US" dirty="0"/>
           </a:p>
@@ -4392,7 +4392,7 @@
                   <a:srgbClr val="FFFFFF"/>
                 </a:solidFill>
               </a:rPr>
-              <a:t>with Angular and Ionic</a:t>
+              <a:t>with Angular</a:t>
             </a:r>
           </a:p>
         </p:txBody>
@@ -5686,7 +5686,29 @@
                   </a:schemeClr>
                 </a:solidFill>
               </a:rPr>
-              <a:t>Fullstack</a:t>
+              <a:t>Software</a:t>
+            </a:r>
+            <a:r>
+              <a:rPr lang="id-ID" sz="825" b="1" dirty="0">
+                <a:solidFill>
+                  <a:schemeClr val="tx1">
+                    <a:lumMod val="85000"/>
+                    <a:lumOff val="15000"/>
+                  </a:schemeClr>
+                </a:solidFill>
+              </a:rPr>
+              <a:t> </a:t>
+            </a:r>
+            <a:r>
+              <a:rPr lang="id-ID" sz="825" b="1" dirty="0" err="1">
+                <a:solidFill>
+                  <a:schemeClr val="tx1">
+                    <a:lumMod val="85000"/>
+                    <a:lumOff val="15000"/>
+                  </a:schemeClr>
+                </a:solidFill>
+              </a:rPr>
+              <a:t>Architect</a:t>
             </a:r>
             <a:r>
               <a:rPr lang="id-ID" sz="825" b="1" dirty="0">
@@ -5807,40 +5829,7 @@
                   </a:schemeClr>
                 </a:solidFill>
               </a:rPr>
-              <a:t>) </a:t>
-            </a:r>
-            <a:r>
-              <a:rPr lang="id-ID" sz="825" b="1" dirty="0" err="1">
-                <a:solidFill>
-                  <a:schemeClr val="tx1">
-                    <a:lumMod val="85000"/>
-                    <a:lumOff val="15000"/>
-                  </a:schemeClr>
-                </a:solidFill>
-              </a:rPr>
-              <a:t>Tech</a:t>
-            </a:r>
-            <a:r>
-              <a:rPr lang="id-ID" sz="825" b="1" dirty="0">
-                <a:solidFill>
-                  <a:schemeClr val="tx1">
-                    <a:lumMod val="85000"/>
-                    <a:lumOff val="15000"/>
-                  </a:schemeClr>
-                </a:solidFill>
-              </a:rPr>
-              <a:t> </a:t>
-            </a:r>
-            <a:r>
-              <a:rPr lang="id-ID" sz="825" b="1" dirty="0" err="1">
-                <a:solidFill>
-                  <a:schemeClr val="tx1">
-                    <a:lumMod val="85000"/>
-                    <a:lumOff val="15000"/>
-                  </a:schemeClr>
-                </a:solidFill>
-              </a:rPr>
-              <a:t>Lead</a:t>
+              <a:t>)</a:t>
             </a:r>
             <a:endParaRPr lang="en-US" sz="825" b="1" dirty="0">
               <a:solidFill>
